--- a/docs/MeganBall_Energy_DataStory_DS6390_print.pptx
+++ b/docs/MeganBall_Energy_DataStory_DS6390_print.pptx
@@ -10,15 +10,15 @@
   <p:sldIdLst>
     <p:sldId id="256" r:id="rId2"/>
     <p:sldId id="262" r:id="rId3"/>
-    <p:sldId id="264" r:id="rId4"/>
-    <p:sldId id="265" r:id="rId5"/>
-    <p:sldId id="259" r:id="rId6"/>
+    <p:sldId id="274" r:id="rId4"/>
+    <p:sldId id="273" r:id="rId5"/>
+    <p:sldId id="272" r:id="rId6"/>
     <p:sldId id="260" r:id="rId7"/>
     <p:sldId id="267" r:id="rId8"/>
     <p:sldId id="268" r:id="rId9"/>
     <p:sldId id="269" r:id="rId10"/>
-    <p:sldId id="266" r:id="rId11"/>
-    <p:sldId id="261" r:id="rId12"/>
+    <p:sldId id="270" r:id="rId11"/>
+    <p:sldId id="271" r:id="rId12"/>
   </p:sldIdLst>
   <p:sldSz cx="12192000" cy="6858000"/>
   <p:notesSz cx="6858000" cy="9144000"/>
@@ -207,7 +207,7 @@
           <a:p>
             <a:fld id="{87165AAF-A174-4899-9C98-240C6E515E56}" type="datetimeFigureOut">
               <a:rPr lang="en-US" smtClean="0"/>
-              <a:t>4/3/2021</a:t>
+              <a:t>4/4/2021</a:t>
             </a:fld>
             <a:endParaRPr lang="en-US"/>
           </a:p>
@@ -674,7 +674,7 @@
           <a:p>
             <a:fld id="{4C5CDE66-1C9A-4F85-8198-25A5F1B8480F}" type="datetime1">
               <a:rPr lang="en-US" smtClean="0"/>
-              <a:t>4/3/2021</a:t>
+              <a:t>4/4/2021</a:t>
             </a:fld>
             <a:endParaRPr lang="en-US"/>
           </a:p>
@@ -867,7 +867,7 @@
           <a:p>
             <a:fld id="{7E8D9117-DBDB-4ABB-B50C-CE88C5A22694}" type="datetime1">
               <a:rPr lang="en-US" smtClean="0"/>
-              <a:t>4/3/2021</a:t>
+              <a:t>4/4/2021</a:t>
             </a:fld>
             <a:endParaRPr lang="en-US"/>
           </a:p>
@@ -1050,7 +1050,7 @@
           <a:p>
             <a:fld id="{E5B8A6FF-2D3B-450C-96BB-E7B3522660F1}" type="datetime1">
               <a:rPr lang="en-US" smtClean="0"/>
-              <a:t>4/3/2021</a:t>
+              <a:t>4/4/2021</a:t>
             </a:fld>
             <a:endParaRPr lang="en-US"/>
           </a:p>
@@ -1223,7 +1223,7 @@
           <a:p>
             <a:fld id="{8AABB569-6338-44DD-87FD-27043EC8CF30}" type="datetime1">
               <a:rPr lang="en-US" smtClean="0"/>
-              <a:t>4/3/2021</a:t>
+              <a:t>4/4/2021</a:t>
             </a:fld>
             <a:endParaRPr lang="en-US"/>
           </a:p>
@@ -1482,7 +1482,7 @@
           <a:p>
             <a:fld id="{5CDB86DE-9D57-456D-AEAF-EF2DFEFB3CAE}" type="datetime1">
               <a:rPr lang="en-US" smtClean="0"/>
-              <a:t>4/3/2021</a:t>
+              <a:t>4/4/2021</a:t>
             </a:fld>
             <a:endParaRPr lang="en-US"/>
           </a:p>
@@ -1773,7 +1773,7 @@
           <a:p>
             <a:fld id="{EB73B8A5-03A7-4DA3-89AB-673A1834436C}" type="datetime1">
               <a:rPr lang="en-US" smtClean="0"/>
-              <a:t>4/3/2021</a:t>
+              <a:t>4/4/2021</a:t>
             </a:fld>
             <a:endParaRPr lang="en-US"/>
           </a:p>
@@ -2219,7 +2219,7 @@
           <a:p>
             <a:fld id="{3112E527-F95A-41A3-8494-407D918E6E0C}" type="datetime1">
               <a:rPr lang="en-US" smtClean="0"/>
-              <a:t>4/3/2021</a:t>
+              <a:t>4/4/2021</a:t>
             </a:fld>
             <a:endParaRPr lang="en-US"/>
           </a:p>
@@ -2340,7 +2340,7 @@
           <a:p>
             <a:fld id="{2057769E-D349-4077-9949-5DEE102A7134}" type="datetime1">
               <a:rPr lang="en-US" smtClean="0"/>
-              <a:t>4/3/2021</a:t>
+              <a:t>4/4/2021</a:t>
             </a:fld>
             <a:endParaRPr lang="en-US"/>
           </a:p>
@@ -2438,7 +2438,7 @@
           <a:p>
             <a:fld id="{872E71A3-19A2-452B-9F43-438F4E1B6D09}" type="datetime1">
               <a:rPr lang="en-US" smtClean="0"/>
-              <a:t>4/3/2021</a:t>
+              <a:t>4/4/2021</a:t>
             </a:fld>
             <a:endParaRPr lang="en-US"/>
           </a:p>
@@ -2797,7 +2797,7 @@
           <a:p>
             <a:fld id="{D594CEB8-6FAD-49D3-B656-81EF1B8E66BC}" type="datetime1">
               <a:rPr lang="en-US" smtClean="0"/>
-              <a:t>4/3/2021</a:t>
+              <a:t>4/4/2021</a:t>
             </a:fld>
             <a:endParaRPr lang="en-US"/>
           </a:p>
@@ -3121,7 +3121,7 @@
           <a:p>
             <a:fld id="{CA18CEF7-AB07-488F-8992-CBA98D2BF9B9}" type="datetime1">
               <a:rPr lang="en-US" smtClean="0"/>
-              <a:t>4/3/2021</a:t>
+              <a:t>4/4/2021</a:t>
             </a:fld>
             <a:endParaRPr lang="en-US"/>
           </a:p>
@@ -3357,7 +3357,7 @@
           <a:p>
             <a:fld id="{3FE4961D-FEAA-49B7-A04F-6FF086358B9F}" type="datetime1">
               <a:rPr lang="en-US" smtClean="0"/>
-              <a:t>4/3/2021</a:t>
+              <a:t>4/4/2021</a:t>
             </a:fld>
             <a:endParaRPr lang="en-US"/>
           </a:p>
@@ -4164,7 +4164,12 @@
             <p:ph type="title"/>
           </p:nvPr>
         </p:nvSpPr>
-        <p:spPr/>
+        <p:spPr>
+          <a:xfrm>
+            <a:off x="657606" y="0"/>
+            <a:ext cx="10772775" cy="1080135"/>
+          </a:xfrm>
+        </p:spPr>
         <p:txBody>
           <a:bodyPr/>
           <a:lstStyle/>
@@ -4178,10 +4183,10 @@
       </p:sp>
       <p:sp>
         <p:nvSpPr>
-          <p:cNvPr id="3" name="Content Placeholder 2">
+          <p:cNvPr id="6" name="Content Placeholder 5">
             <a:extLst>
               <a:ext uri="{FF2B5EF4-FFF2-40B4-BE49-F238E27FC236}">
-                <a16:creationId xmlns:a16="http://schemas.microsoft.com/office/drawing/2014/main" id="{5DEA6353-2B51-439A-BF14-DF37AA35CDC1}"/>
+                <a16:creationId xmlns:a16="http://schemas.microsoft.com/office/drawing/2014/main" id="{2021BE2E-0312-4335-94F5-EB71E8221672}"/>
               </a:ext>
             </a:extLst>
           </p:cNvPr>
@@ -4189,40 +4194,50 @@
             <a:spLocks noGrp="1"/>
           </p:cNvSpPr>
           <p:nvPr>
-            <p:ph sz="half" idx="1"/>
-          </p:nvPr>
-        </p:nvSpPr>
-        <p:spPr/>
+            <p:ph idx="1"/>
+          </p:nvPr>
+        </p:nvSpPr>
+        <p:spPr>
+          <a:xfrm>
+            <a:off x="676656" y="1171852"/>
+            <a:ext cx="10753725" cy="4606013"/>
+          </a:xfrm>
+        </p:spPr>
         <p:txBody>
           <a:bodyPr/>
           <a:lstStyle/>
           <a:p>
-            <a:endParaRPr lang="en-US"/>
-          </a:p>
-        </p:txBody>
-      </p:sp>
-      <p:sp>
-        <p:nvSpPr>
-          <p:cNvPr id="4" name="Content Placeholder 3">
-            <a:extLst>
-              <a:ext uri="{FF2B5EF4-FFF2-40B4-BE49-F238E27FC236}">
-                <a16:creationId xmlns:a16="http://schemas.microsoft.com/office/drawing/2014/main" id="{6C3CC44C-3256-4B86-9CFE-9CB6618F3C6F}"/>
-              </a:ext>
-            </a:extLst>
-          </p:cNvPr>
-          <p:cNvSpPr>
-            <a:spLocks noGrp="1"/>
-          </p:cNvSpPr>
-          <p:nvPr>
-            <p:ph sz="half" idx="2"/>
-          </p:nvPr>
-        </p:nvSpPr>
-        <p:spPr/>
-        <p:txBody>
-          <a:bodyPr/>
-          <a:lstStyle/>
-          <a:p>
-            <a:endParaRPr lang="en-US"/>
+            <a:r>
+              <a:rPr lang="en-US" dirty="0"/>
+              <a:t>The US has one of the highest per-capita CO2 equivalent greenhouse gas emissions, compared to most of Europe</a:t>
+            </a:r>
+          </a:p>
+          <a:p>
+            <a:r>
+              <a:rPr lang="en-US" dirty="0"/>
+              <a:t>The US also lags behind in renewable energy sources</a:t>
+            </a:r>
+          </a:p>
+          <a:p>
+            <a:r>
+              <a:rPr lang="en-US" dirty="0"/>
+              <a:t>Based on SAIDI and SAIFI data, there is no reason to believe increasing renewable sources will lead to decreased grid reliability</a:t>
+            </a:r>
+          </a:p>
+          <a:p>
+            <a:r>
+              <a:rPr lang="en-US" dirty="0"/>
+              <a:t>The US has opportunities to invest much more in solar and wind energy</a:t>
+            </a:r>
+          </a:p>
+          <a:p>
+            <a:r>
+              <a:rPr lang="en-US" b="1" dirty="0">
+                <a:latin typeface="Calibri" panose="020F0502020204030204" pitchFamily="34" charset="0"/>
+                <a:cs typeface="Calibri" panose="020F0502020204030204" pitchFamily="34" charset="0"/>
+              </a:rPr>
+              <a:t>We need more policies and incentives to increase the percent of energy generated by wind, hydropower, or solar within the United States. </a:t>
+            </a:r>
           </a:p>
         </p:txBody>
       </p:sp>
@@ -4248,7 +4263,7 @@
           <a:lstStyle/>
           <a:p>
             <a:r>
-              <a:rPr lang="en-US"/>
+              <a:rPr lang="en-US" dirty="0"/>
               <a:t>Megan Ball DS6390</a:t>
             </a:r>
           </a:p>
@@ -4257,13 +4272,351 @@
     </p:spTree>
     <p:extLst>
       <p:ext uri="{BB962C8B-B14F-4D97-AF65-F5344CB8AC3E}">
-        <p14:creationId xmlns:p14="http://schemas.microsoft.com/office/powerpoint/2010/main" val="3086902116"/>
+        <p14:creationId xmlns:p14="http://schemas.microsoft.com/office/powerpoint/2010/main" val="2690789259"/>
       </p:ext>
     </p:extLst>
   </p:cSld>
   <p:clrMapOvr>
     <a:masterClrMapping/>
   </p:clrMapOvr>
+  <p:timing>
+    <p:tnLst>
+      <p:par>
+        <p:cTn id="1" dur="indefinite" restart="never" nodeType="tmRoot">
+          <p:childTnLst>
+            <p:seq concurrent="1" nextAc="seek">
+              <p:cTn id="2" dur="indefinite" nodeType="mainSeq">
+                <p:childTnLst>
+                  <p:par>
+                    <p:cTn id="3" fill="hold">
+                      <p:stCondLst>
+                        <p:cond delay="indefinite"/>
+                      </p:stCondLst>
+                      <p:childTnLst>
+                        <p:par>
+                          <p:cTn id="4" fill="hold">
+                            <p:stCondLst>
+                              <p:cond delay="0"/>
+                            </p:stCondLst>
+                            <p:childTnLst>
+                              <p:par>
+                                <p:cTn id="5" presetID="10" presetClass="entr" presetSubtype="0" fill="hold" grpId="0" nodeType="clickEffect">
+                                  <p:stCondLst>
+                                    <p:cond delay="0"/>
+                                  </p:stCondLst>
+                                  <p:childTnLst>
+                                    <p:set>
+                                      <p:cBhvr>
+                                        <p:cTn id="6" dur="1" fill="hold">
+                                          <p:stCondLst>
+                                            <p:cond delay="0"/>
+                                          </p:stCondLst>
+                                        </p:cTn>
+                                        <p:tgtEl>
+                                          <p:spTgt spid="6">
+                                            <p:txEl>
+                                              <p:pRg st="0" end="0"/>
+                                            </p:txEl>
+                                          </p:spTgt>
+                                        </p:tgtEl>
+                                        <p:attrNameLst>
+                                          <p:attrName>style.visibility</p:attrName>
+                                        </p:attrNameLst>
+                                      </p:cBhvr>
+                                      <p:to>
+                                        <p:strVal val="visible"/>
+                                      </p:to>
+                                    </p:set>
+                                    <p:animEffect transition="in" filter="fade">
+                                      <p:cBhvr>
+                                        <p:cTn id="7" dur="500"/>
+                                        <p:tgtEl>
+                                          <p:spTgt spid="6">
+                                            <p:txEl>
+                                              <p:pRg st="0" end="0"/>
+                                            </p:txEl>
+                                          </p:spTgt>
+                                        </p:tgtEl>
+                                      </p:cBhvr>
+                                    </p:animEffect>
+                                  </p:childTnLst>
+                                </p:cTn>
+                              </p:par>
+                            </p:childTnLst>
+                          </p:cTn>
+                        </p:par>
+                      </p:childTnLst>
+                    </p:cTn>
+                  </p:par>
+                  <p:par>
+                    <p:cTn id="8" fill="hold">
+                      <p:stCondLst>
+                        <p:cond delay="indefinite"/>
+                      </p:stCondLst>
+                      <p:childTnLst>
+                        <p:par>
+                          <p:cTn id="9" fill="hold">
+                            <p:stCondLst>
+                              <p:cond delay="0"/>
+                            </p:stCondLst>
+                            <p:childTnLst>
+                              <p:par>
+                                <p:cTn id="10" presetID="10" presetClass="entr" presetSubtype="0" fill="hold" grpId="0" nodeType="clickEffect">
+                                  <p:stCondLst>
+                                    <p:cond delay="0"/>
+                                  </p:stCondLst>
+                                  <p:childTnLst>
+                                    <p:set>
+                                      <p:cBhvr>
+                                        <p:cTn id="11" dur="1" fill="hold">
+                                          <p:stCondLst>
+                                            <p:cond delay="0"/>
+                                          </p:stCondLst>
+                                        </p:cTn>
+                                        <p:tgtEl>
+                                          <p:spTgt spid="6">
+                                            <p:txEl>
+                                              <p:pRg st="1" end="1"/>
+                                            </p:txEl>
+                                          </p:spTgt>
+                                        </p:tgtEl>
+                                        <p:attrNameLst>
+                                          <p:attrName>style.visibility</p:attrName>
+                                        </p:attrNameLst>
+                                      </p:cBhvr>
+                                      <p:to>
+                                        <p:strVal val="visible"/>
+                                      </p:to>
+                                    </p:set>
+                                    <p:animEffect transition="in" filter="fade">
+                                      <p:cBhvr>
+                                        <p:cTn id="12" dur="500"/>
+                                        <p:tgtEl>
+                                          <p:spTgt spid="6">
+                                            <p:txEl>
+                                              <p:pRg st="1" end="1"/>
+                                            </p:txEl>
+                                          </p:spTgt>
+                                        </p:tgtEl>
+                                      </p:cBhvr>
+                                    </p:animEffect>
+                                  </p:childTnLst>
+                                </p:cTn>
+                              </p:par>
+                            </p:childTnLst>
+                          </p:cTn>
+                        </p:par>
+                      </p:childTnLst>
+                    </p:cTn>
+                  </p:par>
+                  <p:par>
+                    <p:cTn id="13" fill="hold">
+                      <p:stCondLst>
+                        <p:cond delay="indefinite"/>
+                      </p:stCondLst>
+                      <p:childTnLst>
+                        <p:par>
+                          <p:cTn id="14" fill="hold">
+                            <p:stCondLst>
+                              <p:cond delay="0"/>
+                            </p:stCondLst>
+                            <p:childTnLst>
+                              <p:par>
+                                <p:cTn id="15" presetID="10" presetClass="entr" presetSubtype="0" fill="hold" grpId="0" nodeType="clickEffect">
+                                  <p:stCondLst>
+                                    <p:cond delay="0"/>
+                                  </p:stCondLst>
+                                  <p:childTnLst>
+                                    <p:set>
+                                      <p:cBhvr>
+                                        <p:cTn id="16" dur="1" fill="hold">
+                                          <p:stCondLst>
+                                            <p:cond delay="0"/>
+                                          </p:stCondLst>
+                                        </p:cTn>
+                                        <p:tgtEl>
+                                          <p:spTgt spid="6">
+                                            <p:txEl>
+                                              <p:pRg st="2" end="2"/>
+                                            </p:txEl>
+                                          </p:spTgt>
+                                        </p:tgtEl>
+                                        <p:attrNameLst>
+                                          <p:attrName>style.visibility</p:attrName>
+                                        </p:attrNameLst>
+                                      </p:cBhvr>
+                                      <p:to>
+                                        <p:strVal val="visible"/>
+                                      </p:to>
+                                    </p:set>
+                                    <p:animEffect transition="in" filter="fade">
+                                      <p:cBhvr>
+                                        <p:cTn id="17" dur="500"/>
+                                        <p:tgtEl>
+                                          <p:spTgt spid="6">
+                                            <p:txEl>
+                                              <p:pRg st="2" end="2"/>
+                                            </p:txEl>
+                                          </p:spTgt>
+                                        </p:tgtEl>
+                                      </p:cBhvr>
+                                    </p:animEffect>
+                                  </p:childTnLst>
+                                </p:cTn>
+                              </p:par>
+                            </p:childTnLst>
+                          </p:cTn>
+                        </p:par>
+                      </p:childTnLst>
+                    </p:cTn>
+                  </p:par>
+                  <p:par>
+                    <p:cTn id="18" fill="hold">
+                      <p:stCondLst>
+                        <p:cond delay="indefinite"/>
+                      </p:stCondLst>
+                      <p:childTnLst>
+                        <p:par>
+                          <p:cTn id="19" fill="hold">
+                            <p:stCondLst>
+                              <p:cond delay="0"/>
+                            </p:stCondLst>
+                            <p:childTnLst>
+                              <p:par>
+                                <p:cTn id="20" presetID="10" presetClass="entr" presetSubtype="0" fill="hold" grpId="0" nodeType="clickEffect">
+                                  <p:stCondLst>
+                                    <p:cond delay="0"/>
+                                  </p:stCondLst>
+                                  <p:childTnLst>
+                                    <p:set>
+                                      <p:cBhvr>
+                                        <p:cTn id="21" dur="1" fill="hold">
+                                          <p:stCondLst>
+                                            <p:cond delay="0"/>
+                                          </p:stCondLst>
+                                        </p:cTn>
+                                        <p:tgtEl>
+                                          <p:spTgt spid="6">
+                                            <p:txEl>
+                                              <p:pRg st="3" end="3"/>
+                                            </p:txEl>
+                                          </p:spTgt>
+                                        </p:tgtEl>
+                                        <p:attrNameLst>
+                                          <p:attrName>style.visibility</p:attrName>
+                                        </p:attrNameLst>
+                                      </p:cBhvr>
+                                      <p:to>
+                                        <p:strVal val="visible"/>
+                                      </p:to>
+                                    </p:set>
+                                    <p:animEffect transition="in" filter="fade">
+                                      <p:cBhvr>
+                                        <p:cTn id="22" dur="500"/>
+                                        <p:tgtEl>
+                                          <p:spTgt spid="6">
+                                            <p:txEl>
+                                              <p:pRg st="3" end="3"/>
+                                            </p:txEl>
+                                          </p:spTgt>
+                                        </p:tgtEl>
+                                      </p:cBhvr>
+                                    </p:animEffect>
+                                  </p:childTnLst>
+                                </p:cTn>
+                              </p:par>
+                            </p:childTnLst>
+                          </p:cTn>
+                        </p:par>
+                      </p:childTnLst>
+                    </p:cTn>
+                  </p:par>
+                  <p:par>
+                    <p:cTn id="23" fill="hold">
+                      <p:stCondLst>
+                        <p:cond delay="indefinite"/>
+                      </p:stCondLst>
+                      <p:childTnLst>
+                        <p:par>
+                          <p:cTn id="24" fill="hold">
+                            <p:stCondLst>
+                              <p:cond delay="0"/>
+                            </p:stCondLst>
+                            <p:childTnLst>
+                              <p:par>
+                                <p:cTn id="25" presetID="10" presetClass="entr" presetSubtype="0" fill="hold" grpId="0" nodeType="clickEffect">
+                                  <p:stCondLst>
+                                    <p:cond delay="0"/>
+                                  </p:stCondLst>
+                                  <p:childTnLst>
+                                    <p:set>
+                                      <p:cBhvr>
+                                        <p:cTn id="26" dur="1" fill="hold">
+                                          <p:stCondLst>
+                                            <p:cond delay="0"/>
+                                          </p:stCondLst>
+                                        </p:cTn>
+                                        <p:tgtEl>
+                                          <p:spTgt spid="6">
+                                            <p:txEl>
+                                              <p:pRg st="4" end="4"/>
+                                            </p:txEl>
+                                          </p:spTgt>
+                                        </p:tgtEl>
+                                        <p:attrNameLst>
+                                          <p:attrName>style.visibility</p:attrName>
+                                        </p:attrNameLst>
+                                      </p:cBhvr>
+                                      <p:to>
+                                        <p:strVal val="visible"/>
+                                      </p:to>
+                                    </p:set>
+                                    <p:animEffect transition="in" filter="fade">
+                                      <p:cBhvr>
+                                        <p:cTn id="27" dur="500"/>
+                                        <p:tgtEl>
+                                          <p:spTgt spid="6">
+                                            <p:txEl>
+                                              <p:pRg st="4" end="4"/>
+                                            </p:txEl>
+                                          </p:spTgt>
+                                        </p:tgtEl>
+                                      </p:cBhvr>
+                                    </p:animEffect>
+                                  </p:childTnLst>
+                                </p:cTn>
+                              </p:par>
+                            </p:childTnLst>
+                          </p:cTn>
+                        </p:par>
+                      </p:childTnLst>
+                    </p:cTn>
+                  </p:par>
+                </p:childTnLst>
+              </p:cTn>
+              <p:prevCondLst>
+                <p:cond evt="onPrev" delay="0">
+                  <p:tgtEl>
+                    <p:sldTgt/>
+                  </p:tgtEl>
+                </p:cond>
+              </p:prevCondLst>
+              <p:nextCondLst>
+                <p:cond evt="onNext" delay="0">
+                  <p:tgtEl>
+                    <p:sldTgt/>
+                  </p:tgtEl>
+                </p:cond>
+              </p:nextCondLst>
+            </p:seq>
+          </p:childTnLst>
+        </p:cTn>
+      </p:par>
+    </p:tnLst>
+    <p:bldLst>
+      <p:bldP spid="6" grpId="0" build="p"/>
+    </p:bldLst>
+  </p:timing>
 </p:sld>
 </file>
 
@@ -4303,7 +4656,7 @@
         <p:spPr>
           <a:xfrm>
             <a:off x="676656" y="0"/>
-            <a:ext cx="10772775" cy="1658198"/>
+            <a:ext cx="10772775" cy="1251751"/>
           </a:xfrm>
         </p:spPr>
         <p:txBody>
@@ -4333,7 +4686,12 @@
             <p:ph idx="1"/>
           </p:nvPr>
         </p:nvSpPr>
-        <p:spPr/>
+        <p:spPr>
+          <a:xfrm>
+            <a:off x="676656" y="1074199"/>
+            <a:ext cx="10838688" cy="5557420"/>
+          </a:xfrm>
+        </p:spPr>
         <p:txBody>
           <a:bodyPr>
             <a:normAutofit fontScale="85000" lnSpcReduction="20000"/>
@@ -4342,13 +4700,20 @@
           <a:p>
             <a:r>
               <a:rPr lang="en-US" dirty="0"/>
-              <a:t>[1] Council of European Energy Regulators. (2018). CEER Benchmarking Report 6.1 on the Continuity of 	Electricity and Gas Supply. Retrieved April 20, 2021 from: 	</a:t>
+              <a:t>[1] Council of European Energy Regulators. (2018). CEER Benchmarking Report 6.1 on the Continuity of 	Electricity and Gas Supply. Retrieved from </a:t>
+            </a:r>
+          </a:p>
+          <a:p>
+            <a:pPr lvl="1"/>
+            <a:r>
+              <a:rPr lang="en-US" dirty="0"/>
+              <a:t>       </a:t>
             </a:r>
             <a:r>
               <a:rPr lang="en-US" dirty="0">
                 <a:hlinkClick r:id="rId2"/>
               </a:rPr>
-              <a:t>https://www.ceer.eu/documents/104400/-/-/963153e6-2f42-78eb-22a4-06f1552dd34c</a:t>
+              <a:t>   https://www.ceer.eu/documents/104400/-/-/963153e6-2f42-78eb-22a4-06f1552dd34c</a:t>
             </a:r>
             <a:r>
               <a:rPr lang="en-US" dirty="0"/>
@@ -4358,7 +4723,14 @@
           <a:p>
             <a:r>
               <a:rPr lang="en-US" dirty="0"/>
-              <a:t>US outage data: </a:t>
+              <a:t>[2] US Energy Information Administration. (2020). Annual Electric Power Industry Report, Form EIA-861</a:t>
+            </a:r>
+          </a:p>
+          <a:p>
+            <a:pPr lvl="1"/>
+            <a:r>
+              <a:rPr lang="en-US" dirty="0"/>
+              <a:t>          detailed data files. Retrieved from </a:t>
             </a:r>
             <a:r>
               <a:rPr lang="en-US" dirty="0">
@@ -4374,7 +4746,15 @@
           <a:p>
             <a:r>
               <a:rPr lang="en-US" dirty="0"/>
-              <a:t>US &amp; EU energy generation (% renewable, % hydro, % thermal): </a:t>
+              <a:t>[3] World Bank, World Development Indicators. (2015). </a:t>
+            </a:r>
+            <a:r>
+              <a:rPr lang="en-US" i="1" dirty="0"/>
+              <a:t>Electricity production from renewable sources, 	excluding hydroelectric (% of total).</a:t>
+            </a:r>
+            <a:r>
+              <a:rPr lang="en-US" dirty="0"/>
+              <a:t> [Data file]. Retrieved from 	</a:t>
             </a:r>
             <a:r>
               <a:rPr lang="en-US" dirty="0">
@@ -4389,6 +4769,18 @@
           </a:p>
           <a:p>
             <a:r>
+              <a:rPr lang="en-US" dirty="0"/>
+              <a:t>[4] World Bank, World Development Indicators. (2015). </a:t>
+            </a:r>
+            <a:r>
+              <a:rPr lang="en-US" i="1" dirty="0"/>
+              <a:t>Electricity production from hydroelectric sources         	(% of total).</a:t>
+            </a:r>
+            <a:r>
+              <a:rPr lang="en-US" dirty="0"/>
+              <a:t> [Data file]. Retrieved from </a:t>
+            </a:r>
+            <a:r>
               <a:rPr lang="en-US" dirty="0">
                 <a:hlinkClick r:id="rId5"/>
               </a:rPr>
@@ -4402,13 +4794,21 @@
           <a:p>
             <a:r>
               <a:rPr lang="en-US" dirty="0"/>
-              <a:t>US 2016 breakdown: </a:t>
+              <a:t>[5] World Bank, World Development Indicators. (2015). </a:t>
+            </a:r>
+            <a:r>
+              <a:rPr lang="en-US" i="1" dirty="0"/>
+              <a:t>Electricity production from oil, gas, and coal 	sources (% of total).</a:t>
+            </a:r>
+            <a:r>
+              <a:rPr lang="en-US" dirty="0"/>
+              <a:t> [Data file]. Retrieved from 	</a:t>
             </a:r>
             <a:r>
               <a:rPr lang="en-US" dirty="0">
                 <a:hlinkClick r:id="rId6"/>
               </a:rPr>
-              <a:t>https://www.eia.gov/totalenergy/data/annual/index.php</a:t>
+              <a:t>https://data.worldbank.org/indicator/EG.ELC.FOSL.ZS?end=2015&amp;start=2001</a:t>
             </a:r>
             <a:r>
               <a:rPr lang="en-US" dirty="0"/>
@@ -4418,28 +4818,60 @@
           <a:p>
             <a:r>
               <a:rPr lang="en-US" dirty="0"/>
-              <a:t>EU 2016 breakdown: </a:t>
+              <a:t>[6] US Energy Information Administration. (2020). </a:t>
+            </a:r>
+            <a:r>
+              <a:rPr lang="en-US" i="1" dirty="0"/>
+              <a:t>Primary energy production by source. </a:t>
+            </a:r>
+            <a:r>
+              <a:rPr lang="en-US" dirty="0"/>
+              <a:t>[Data file]. 	Retrieved from </a:t>
             </a:r>
             <a:r>
               <a:rPr lang="en-US" dirty="0">
                 <a:hlinkClick r:id="rId7"/>
               </a:rPr>
-              <a:t>https://ec.europa.eu/eurostat/statistics-explained/index.php/Electricity_generation_statistics_%E2%80%93_first_results</a:t>
+              <a:t>https://www.eia.gov/totalenergy/data/annual/index.php</a:t>
             </a:r>
             <a:r>
               <a:rPr lang="en-US" dirty="0"/>
-              <a:t>  </a:t>
+              <a:t> </a:t>
             </a:r>
           </a:p>
           <a:p>
             <a:r>
               <a:rPr lang="en-US" dirty="0"/>
-              <a:t>Greenhouse gas emissions: </a:t>
+              <a:t>[7] Tidy Tuesday. (2020). 2020-08-04 [Data file]. Accessed from GitHub repository 	</a:t>
             </a:r>
             <a:r>
               <a:rPr lang="en-US" dirty="0">
                 <a:hlinkClick r:id="rId8"/>
               </a:rPr>
+              <a:t>https://github.com/rfordatascience/tidytuesday/tree/master/data/2020/2020-08-04</a:t>
+            </a:r>
+            <a:r>
+              <a:rPr lang="en-US" dirty="0"/>
+              <a:t>   </a:t>
+            </a:r>
+          </a:p>
+          <a:p>
+            <a:r>
+              <a:rPr lang="en-US" dirty="0"/>
+              <a:t>[8] Mathieu, E., Ritchie, H. and </a:t>
+            </a:r>
+            <a:r>
+              <a:rPr lang="en-US" dirty="0" err="1"/>
+              <a:t>Roser</a:t>
+            </a:r>
+            <a:r>
+              <a:rPr lang="en-US" dirty="0"/>
+              <a:t>, M. (2021). co2-data. [Data file]. Accessed from GitHub repository 	</a:t>
+            </a:r>
+            <a:r>
+              <a:rPr lang="en-US" dirty="0">
+                <a:hlinkClick r:id="rId9"/>
+              </a:rPr>
               <a:t>https://github.com/owid/co2-data</a:t>
             </a:r>
             <a:r>
@@ -4458,7 +4890,7 @@
     </p:spTree>
     <p:extLst>
       <p:ext uri="{BB962C8B-B14F-4D97-AF65-F5344CB8AC3E}">
-        <p14:creationId xmlns:p14="http://schemas.microsoft.com/office/powerpoint/2010/main" val="1293613991"/>
+        <p14:creationId xmlns:p14="http://schemas.microsoft.com/office/powerpoint/2010/main" val="1528155293"/>
       </p:ext>
     </p:extLst>
   </p:cSld>
@@ -4859,14 +5291,6 @@
 <file path=ppt/slides/slide3.xml><?xml version="1.0" encoding="utf-8"?>
 <p:sld xmlns:a="http://schemas.openxmlformats.org/drawingml/2006/main" xmlns:r="http://schemas.openxmlformats.org/officeDocument/2006/relationships" xmlns:p="http://schemas.openxmlformats.org/presentationml/2006/main">
   <p:cSld>
-    <p:bg>
-      <p:bgPr>
-        <a:solidFill>
-          <a:schemeClr val="bg1"/>
-        </a:solidFill>
-        <a:effectLst/>
-      </p:bgPr>
-    </p:bg>
     <p:spTree>
       <p:nvGrpSpPr>
         <p:cNvPr id="1" name=""/>
@@ -5004,6 +5428,8 @@
                 <a:solidFill>
                   <a:srgbClr val="C00000"/>
                 </a:solidFill>
+                <a:latin typeface="Calibri" panose="020F0502020204030204" pitchFamily="34" charset="0"/>
+                <a:cs typeface="Calibri" panose="020F0502020204030204" pitchFamily="34" charset="0"/>
               </a:rPr>
               <a:t>2 times </a:t>
             </a:r>
@@ -5097,7 +5523,10 @@
               <a:t>The US  emitted </a:t>
             </a:r>
             <a:r>
-              <a:rPr lang="en-US" sz="1600" b="1" dirty="0"/>
+              <a:rPr lang="en-US" sz="1600" b="1" dirty="0">
+                <a:latin typeface="Calibri" panose="020F0502020204030204" pitchFamily="34" charset="0"/>
+                <a:cs typeface="Calibri" panose="020F0502020204030204" pitchFamily="34" charset="0"/>
+              </a:rPr>
               <a:t>18 tons </a:t>
             </a:r>
             <a:r>
@@ -5202,7 +5631,10 @@
               <a:t>France emitted </a:t>
             </a:r>
             <a:r>
-              <a:rPr lang="en-US" sz="1600" b="1" dirty="0"/>
+              <a:rPr lang="en-US" sz="1600" b="1" dirty="0">
+                <a:latin typeface="Calibri" panose="020F0502020204030204" pitchFamily="34" charset="0"/>
+                <a:cs typeface="Calibri" panose="020F0502020204030204" pitchFamily="34" charset="0"/>
+              </a:rPr>
               <a:t>5 tons </a:t>
             </a:r>
             <a:r>
@@ -5260,10 +5692,45 @@
           </a:fontRef>
         </p:style>
       </p:cxnSp>
+      <p:sp>
+        <p:nvSpPr>
+          <p:cNvPr id="10" name="TextBox 9">
+            <a:extLst>
+              <a:ext uri="{FF2B5EF4-FFF2-40B4-BE49-F238E27FC236}">
+                <a16:creationId xmlns:a16="http://schemas.microsoft.com/office/drawing/2014/main" id="{E261B2F6-2760-4E1A-9A6A-0E091F90065A}"/>
+              </a:ext>
+            </a:extLst>
+          </p:cNvPr>
+          <p:cNvSpPr txBox="1"/>
+          <p:nvPr/>
+        </p:nvSpPr>
+        <p:spPr>
+          <a:xfrm>
+            <a:off x="7592163" y="5163877"/>
+            <a:ext cx="861134" cy="261610"/>
+          </a:xfrm>
+          <a:prstGeom prst="rect">
+            <a:avLst/>
+          </a:prstGeom>
+          <a:noFill/>
+        </p:spPr>
+        <p:txBody>
+          <a:bodyPr wrap="square" rtlCol="0">
+            <a:spAutoFit/>
+          </a:bodyPr>
+          <a:lstStyle/>
+          <a:p>
+            <a:r>
+              <a:rPr lang="en-US" sz="1050" dirty="0"/>
+              <a:t>Source: [8] </a:t>
+            </a:r>
+          </a:p>
+        </p:txBody>
+      </p:sp>
     </p:spTree>
     <p:extLst>
       <p:ext uri="{BB962C8B-B14F-4D97-AF65-F5344CB8AC3E}">
-        <p14:creationId xmlns:p14="http://schemas.microsoft.com/office/powerpoint/2010/main" val="3215788132"/>
+        <p14:creationId xmlns:p14="http://schemas.microsoft.com/office/powerpoint/2010/main" val="515554908"/>
       </p:ext>
     </p:extLst>
   </p:cSld>
@@ -5411,6 +5878,8 @@
                 <a:solidFill>
                   <a:schemeClr val="bg1"/>
                 </a:solidFill>
+                <a:latin typeface="Calibri" panose="020F0502020204030204" pitchFamily="34" charset="0"/>
+                <a:cs typeface="Calibri" panose="020F0502020204030204" pitchFamily="34" charset="0"/>
               </a:rPr>
               <a:t>8.2% </a:t>
             </a:r>
@@ -5427,6 +5896,8 @@
                 <a:solidFill>
                   <a:schemeClr val="bg1"/>
                 </a:solidFill>
+                <a:latin typeface="Calibri" panose="020F0502020204030204" pitchFamily="34" charset="0"/>
+                <a:cs typeface="Calibri" panose="020F0502020204030204" pitchFamily="34" charset="0"/>
               </a:rPr>
               <a:t>13.2%. </a:t>
             </a:r>
@@ -5443,6 +5914,8 @@
                 <a:solidFill>
                   <a:schemeClr val="bg1"/>
                 </a:solidFill>
+                <a:latin typeface="Calibri" panose="020F0502020204030204" pitchFamily="34" charset="0"/>
+                <a:cs typeface="Calibri" panose="020F0502020204030204" pitchFamily="34" charset="0"/>
               </a:rPr>
               <a:t>6.2% </a:t>
             </a:r>
@@ -5459,6 +5932,8 @@
                 <a:solidFill>
                   <a:schemeClr val="bg1"/>
                 </a:solidFill>
+                <a:latin typeface="Calibri" panose="020F0502020204030204" pitchFamily="34" charset="0"/>
+                <a:cs typeface="Calibri" panose="020F0502020204030204" pitchFamily="34" charset="0"/>
               </a:rPr>
               <a:t>29.2% </a:t>
             </a:r>
@@ -5523,8 +5998,8 @@
         </p:nvSpPr>
         <p:spPr>
           <a:xfrm>
-            <a:off x="62145" y="4986597"/>
-            <a:ext cx="861134" cy="307777"/>
+            <a:off x="62144" y="4986597"/>
+            <a:ext cx="1074197" cy="253916"/>
           </a:xfrm>
           <a:prstGeom prst="rect">
             <a:avLst/>
@@ -5538,8 +6013,8 @@
           <a:lstStyle/>
           <a:p>
             <a:r>
-              <a:rPr lang="en-US" sz="1400" dirty="0"/>
-              <a:t>Source </a:t>
+              <a:rPr lang="en-US" sz="1050" dirty="0"/>
+              <a:t>Source [3] &amp; [4] </a:t>
             </a:r>
           </a:p>
         </p:txBody>
@@ -5547,7 +6022,7 @@
     </p:spTree>
     <p:extLst>
       <p:ext uri="{BB962C8B-B14F-4D97-AF65-F5344CB8AC3E}">
-        <p14:creationId xmlns:p14="http://schemas.microsoft.com/office/powerpoint/2010/main" val="3502177145"/>
+        <p14:creationId xmlns:p14="http://schemas.microsoft.com/office/powerpoint/2010/main" val="3699525336"/>
       </p:ext>
     </p:extLst>
   </p:cSld>
@@ -5608,12 +6083,93 @@
           </a:p>
         </p:txBody>
       </p:sp>
+      <p:sp>
+        <p:nvSpPr>
+          <p:cNvPr id="12" name="TextBox 11">
+            <a:extLst>
+              <a:ext uri="{FF2B5EF4-FFF2-40B4-BE49-F238E27FC236}">
+                <a16:creationId xmlns:a16="http://schemas.microsoft.com/office/drawing/2014/main" id="{E400A438-46CA-46C9-9865-70BBB591EC82}"/>
+              </a:ext>
+            </a:extLst>
+          </p:cNvPr>
+          <p:cNvSpPr txBox="1"/>
+          <p:nvPr/>
+        </p:nvSpPr>
+        <p:spPr>
+          <a:xfrm>
+            <a:off x="657606" y="6196614"/>
+            <a:ext cx="10342485" cy="369332"/>
+          </a:xfrm>
+          <a:prstGeom prst="rect">
+            <a:avLst/>
+          </a:prstGeom>
+          <a:noFill/>
+        </p:spPr>
+        <p:txBody>
+          <a:bodyPr wrap="square" rtlCol="0">
+            <a:spAutoFit/>
+          </a:bodyPr>
+          <a:lstStyle/>
+          <a:p>
+            <a:r>
+              <a:rPr lang="en-US" dirty="0"/>
+              <a:t>Despite its higher percentage of conventional thermal energy sources, the US has the </a:t>
+            </a:r>
+            <a:r>
+              <a:rPr lang="en-US" b="1" dirty="0">
+                <a:latin typeface="Calibri" panose="020F0502020204030204" pitchFamily="34" charset="0"/>
+                <a:cs typeface="Calibri" panose="020F0502020204030204" pitchFamily="34" charset="0"/>
+              </a:rPr>
+              <a:t>highest</a:t>
+            </a:r>
+            <a:r>
+              <a:rPr lang="en-US" dirty="0"/>
+              <a:t> SAIDI and SAIFI</a:t>
+            </a:r>
+          </a:p>
+        </p:txBody>
+      </p:sp>
+      <p:sp>
+        <p:nvSpPr>
+          <p:cNvPr id="6" name="TextBox 5">
+            <a:extLst>
+              <a:ext uri="{FF2B5EF4-FFF2-40B4-BE49-F238E27FC236}">
+                <a16:creationId xmlns:a16="http://schemas.microsoft.com/office/drawing/2014/main" id="{363C04C6-BE1F-450D-BC56-DD49E7A0D2D0}"/>
+              </a:ext>
+            </a:extLst>
+          </p:cNvPr>
+          <p:cNvSpPr txBox="1"/>
+          <p:nvPr/>
+        </p:nvSpPr>
+        <p:spPr>
+          <a:xfrm>
+            <a:off x="0" y="5824803"/>
+            <a:ext cx="1155478" cy="253916"/>
+          </a:xfrm>
+          <a:prstGeom prst="rect">
+            <a:avLst/>
+          </a:prstGeom>
+          <a:noFill/>
+        </p:spPr>
+        <p:txBody>
+          <a:bodyPr wrap="square" rtlCol="0">
+            <a:spAutoFit/>
+          </a:bodyPr>
+          <a:lstStyle/>
+          <a:p>
+            <a:r>
+              <a:rPr lang="en-US" sz="1050" dirty="0"/>
+              <a:t>Source [1] &amp; [2] </a:t>
+            </a:r>
+          </a:p>
+        </p:txBody>
+      </p:sp>
       <p:pic>
         <p:nvPicPr>
-          <p:cNvPr id="9" name="Picture 8" descr="Chart, waterfall chart&#10;&#10;Description automatically generated">
+          <p:cNvPr id="5" name="Picture 4" descr="Chart&#10;&#10;Description automatically generated">
             <a:extLst>
               <a:ext uri="{FF2B5EF4-FFF2-40B4-BE49-F238E27FC236}">
-                <a16:creationId xmlns:a16="http://schemas.microsoft.com/office/drawing/2014/main" id="{842E2753-E903-4B98-A561-EBBCC52359E3}"/>
+                <a16:creationId xmlns:a16="http://schemas.microsoft.com/office/drawing/2014/main" id="{111CDC82-C16C-4360-BA99-0BDB10E18439}"/>
               </a:ext>
             </a:extLst>
           </p:cNvPr>
@@ -5636,63 +6192,20 @@
         </p:blipFill>
         <p:spPr>
           <a:xfrm>
-            <a:off x="761619" y="1267691"/>
-            <a:ext cx="4693132" cy="4693132"/>
+            <a:off x="761619" y="1037970"/>
+            <a:ext cx="4692566" cy="4692566"/>
           </a:xfrm>
           <a:prstGeom prst="rect">
             <a:avLst/>
           </a:prstGeom>
         </p:spPr>
       </p:pic>
-      <p:sp>
-        <p:nvSpPr>
-          <p:cNvPr id="12" name="TextBox 11">
+      <p:pic>
+        <p:nvPicPr>
+          <p:cNvPr id="8" name="Picture 7" descr="Chart, waterfall chart&#10;&#10;Description automatically generated">
             <a:extLst>
               <a:ext uri="{FF2B5EF4-FFF2-40B4-BE49-F238E27FC236}">
-                <a16:creationId xmlns:a16="http://schemas.microsoft.com/office/drawing/2014/main" id="{E400A438-46CA-46C9-9865-70BBB591EC82}"/>
-              </a:ext>
-            </a:extLst>
-          </p:cNvPr>
-          <p:cNvSpPr txBox="1"/>
-          <p:nvPr/>
-        </p:nvSpPr>
-        <p:spPr>
-          <a:xfrm>
-            <a:off x="657606" y="6196614"/>
-            <a:ext cx="10342485" cy="369332"/>
-          </a:xfrm>
-          <a:prstGeom prst="rect">
-            <a:avLst/>
-          </a:prstGeom>
-          <a:noFill/>
-        </p:spPr>
-        <p:txBody>
-          <a:bodyPr wrap="square" rtlCol="0">
-            <a:spAutoFit/>
-          </a:bodyPr>
-          <a:lstStyle/>
-          <a:p>
-            <a:r>
-              <a:rPr lang="en-US" dirty="0"/>
-              <a:t>Despite its higher percentage of conventional thermal energy sources, the US has the </a:t>
-            </a:r>
-            <a:r>
-              <a:rPr lang="en-US" b="1" dirty="0"/>
-              <a:t>highest</a:t>
-            </a:r>
-            <a:r>
-              <a:rPr lang="en-US" dirty="0"/>
-              <a:t> SAIDI and SAIFI</a:t>
-            </a:r>
-          </a:p>
-        </p:txBody>
-      </p:sp>
-      <p:pic>
-        <p:nvPicPr>
-          <p:cNvPr id="4" name="Picture 3" descr="Chart, bar chart&#10;&#10;Description automatically generated">
-            <a:extLst>
-              <a:ext uri="{FF2B5EF4-FFF2-40B4-BE49-F238E27FC236}">
-                <a16:creationId xmlns:a16="http://schemas.microsoft.com/office/drawing/2014/main" id="{B6AF38CE-4313-4585-BACA-303EC312F47C}"/>
+                <a16:creationId xmlns:a16="http://schemas.microsoft.com/office/drawing/2014/main" id="{0CDC5F91-85CA-48AF-B47E-48DD70871BDD}"/>
               </a:ext>
             </a:extLst>
           </p:cNvPr>
@@ -5715,8 +6228,8 @@
         </p:blipFill>
         <p:spPr>
           <a:xfrm>
-            <a:off x="6043993" y="1266389"/>
-            <a:ext cx="5165496" cy="4695736"/>
+            <a:off x="6265288" y="1037970"/>
+            <a:ext cx="4734803" cy="4734803"/>
           </a:xfrm>
           <a:prstGeom prst="rect">
             <a:avLst/>
@@ -5726,7 +6239,7 @@
     </p:spTree>
     <p:extLst>
       <p:ext uri="{BB962C8B-B14F-4D97-AF65-F5344CB8AC3E}">
-        <p14:creationId xmlns:p14="http://schemas.microsoft.com/office/powerpoint/2010/main" val="2427145685"/>
+        <p14:creationId xmlns:p14="http://schemas.microsoft.com/office/powerpoint/2010/main" val="1073543861"/>
       </p:ext>
     </p:extLst>
   </p:cSld>
@@ -5888,6 +6401,41 @@
             <a:r>
               <a:rPr lang="en-US" dirty="0"/>
               <a:t>Wind is only about 2.6% of the renewable energy generated in the US.</a:t>
+            </a:r>
+          </a:p>
+        </p:txBody>
+      </p:sp>
+      <p:sp>
+        <p:nvSpPr>
+          <p:cNvPr id="6" name="TextBox 5">
+            <a:extLst>
+              <a:ext uri="{FF2B5EF4-FFF2-40B4-BE49-F238E27FC236}">
+                <a16:creationId xmlns:a16="http://schemas.microsoft.com/office/drawing/2014/main" id="{18933ADF-5758-4586-9C27-8137B5E84495}"/>
+              </a:ext>
+            </a:extLst>
+          </p:cNvPr>
+          <p:cNvSpPr txBox="1"/>
+          <p:nvPr/>
+        </p:nvSpPr>
+        <p:spPr>
+          <a:xfrm>
+            <a:off x="9586943" y="5510819"/>
+            <a:ext cx="1208304" cy="253916"/>
+          </a:xfrm>
+          <a:prstGeom prst="rect">
+            <a:avLst/>
+          </a:prstGeom>
+          <a:noFill/>
+        </p:spPr>
+        <p:txBody>
+          <a:bodyPr wrap="square" rtlCol="0">
+            <a:spAutoFit/>
+          </a:bodyPr>
+          <a:lstStyle/>
+          <a:p>
+            <a:r>
+              <a:rPr lang="en-US" sz="1050" dirty="0"/>
+              <a:t>Source [6] &amp; [7] </a:t>
             </a:r>
           </a:p>
         </p:txBody>
@@ -6171,6 +6719,41 @@
             <a:r>
               <a:rPr lang="en-US" dirty="0"/>
               <a:t>Solar is only about 0.7% of the renewable energy generated in the US.</a:t>
+            </a:r>
+          </a:p>
+        </p:txBody>
+      </p:sp>
+      <p:sp>
+        <p:nvSpPr>
+          <p:cNvPr id="7" name="TextBox 6">
+            <a:extLst>
+              <a:ext uri="{FF2B5EF4-FFF2-40B4-BE49-F238E27FC236}">
+                <a16:creationId xmlns:a16="http://schemas.microsoft.com/office/drawing/2014/main" id="{790F31A5-DEAE-43D9-9DE0-4E194B5BC313}"/>
+              </a:ext>
+            </a:extLst>
+          </p:cNvPr>
+          <p:cNvSpPr txBox="1"/>
+          <p:nvPr/>
+        </p:nvSpPr>
+        <p:spPr>
+          <a:xfrm>
+            <a:off x="9586943" y="5510819"/>
+            <a:ext cx="1208304" cy="253916"/>
+          </a:xfrm>
+          <a:prstGeom prst="rect">
+            <a:avLst/>
+          </a:prstGeom>
+          <a:noFill/>
+        </p:spPr>
+        <p:txBody>
+          <a:bodyPr wrap="square" rtlCol="0">
+            <a:spAutoFit/>
+          </a:bodyPr>
+          <a:lstStyle/>
+          <a:p>
+            <a:r>
+              <a:rPr lang="en-US" sz="1050" dirty="0"/>
+              <a:t>Source [6] &amp; [7] </a:t>
             </a:r>
           </a:p>
         </p:txBody>
@@ -6533,6 +7116,41 @@
             <a:r>
               <a:rPr lang="en-US" dirty="0"/>
               <a:t>Nuclear is about 10.7% of the renewable energy generated in the US.</a:t>
+            </a:r>
+          </a:p>
+        </p:txBody>
+      </p:sp>
+      <p:sp>
+        <p:nvSpPr>
+          <p:cNvPr id="8" name="TextBox 7">
+            <a:extLst>
+              <a:ext uri="{FF2B5EF4-FFF2-40B4-BE49-F238E27FC236}">
+                <a16:creationId xmlns:a16="http://schemas.microsoft.com/office/drawing/2014/main" id="{3D93ED90-3564-418A-BC4C-77299CCFDCD1}"/>
+              </a:ext>
+            </a:extLst>
+          </p:cNvPr>
+          <p:cNvSpPr txBox="1"/>
+          <p:nvPr/>
+        </p:nvSpPr>
+        <p:spPr>
+          <a:xfrm>
+            <a:off x="9586943" y="5510819"/>
+            <a:ext cx="1208304" cy="253916"/>
+          </a:xfrm>
+          <a:prstGeom prst="rect">
+            <a:avLst/>
+          </a:prstGeom>
+          <a:noFill/>
+        </p:spPr>
+        <p:txBody>
+          <a:bodyPr wrap="square" rtlCol="0">
+            <a:spAutoFit/>
+          </a:bodyPr>
+          <a:lstStyle/>
+          <a:p>
+            <a:r>
+              <a:rPr lang="en-US" sz="1050" dirty="0"/>
+              <a:t>Source [6] &amp; [7] </a:t>
             </a:r>
           </a:p>
         </p:txBody>
@@ -6976,6 +7594,41 @@
             <a:r>
               <a:rPr lang="en-US" dirty="0"/>
               <a:t>Hydro is only about 3.1% of the renewable energy generated in the US.</a:t>
+            </a:r>
+          </a:p>
+        </p:txBody>
+      </p:sp>
+      <p:sp>
+        <p:nvSpPr>
+          <p:cNvPr id="9" name="TextBox 8">
+            <a:extLst>
+              <a:ext uri="{FF2B5EF4-FFF2-40B4-BE49-F238E27FC236}">
+                <a16:creationId xmlns:a16="http://schemas.microsoft.com/office/drawing/2014/main" id="{F3E22732-09EE-4007-B2E4-79D6A31FA9ED}"/>
+              </a:ext>
+            </a:extLst>
+          </p:cNvPr>
+          <p:cNvSpPr txBox="1"/>
+          <p:nvPr/>
+        </p:nvSpPr>
+        <p:spPr>
+          <a:xfrm>
+            <a:off x="9586943" y="5510819"/>
+            <a:ext cx="1208304" cy="253916"/>
+          </a:xfrm>
+          <a:prstGeom prst="rect">
+            <a:avLst/>
+          </a:prstGeom>
+          <a:noFill/>
+        </p:spPr>
+        <p:txBody>
+          <a:bodyPr wrap="square" rtlCol="0">
+            <a:spAutoFit/>
+          </a:bodyPr>
+          <a:lstStyle/>
+          <a:p>
+            <a:r>
+              <a:rPr lang="en-US" sz="1050" dirty="0"/>
+              <a:t>Source [6] &amp; [7] </a:t>
             </a:r>
           </a:p>
         </p:txBody>
